--- a/개발 결과 보고서.pptx
+++ b/개발 결과 보고서.pptx
@@ -9,9 +9,11 @@
     <p:sldId id="257" r:id="rId3"/>
     <p:sldId id="258" r:id="rId4"/>
     <p:sldId id="259" r:id="rId5"/>
-    <p:sldId id="260" r:id="rId6"/>
-    <p:sldId id="261" r:id="rId7"/>
-    <p:sldId id="262" r:id="rId8"/>
+    <p:sldId id="263" r:id="rId6"/>
+    <p:sldId id="260" r:id="rId7"/>
+    <p:sldId id="264" r:id="rId8"/>
+    <p:sldId id="261" r:id="rId9"/>
+    <p:sldId id="262" r:id="rId10"/>
   </p:sldIdLst>
   <p:sldSz cx="12192000" cy="6858000"/>
   <p:notesSz cx="6858000" cy="9144000"/>
@@ -6617,7 +6619,15 @@
           <a:p>
             <a:r>
               <a:rPr lang="ko-KR" altLang="en-US" dirty="0"/>
-              <a:t>작업 내용</a:t>
+              <a:t>작업 내용 </a:t>
+            </a:r>
+            <a:r>
+              <a:rPr lang="en-US" altLang="ko-KR" dirty="0"/>
+              <a:t>- </a:t>
+            </a:r>
+            <a:r>
+              <a:rPr lang="ko-KR" altLang="en-US" dirty="0"/>
+              <a:t>박찬</a:t>
             </a:r>
           </a:p>
         </p:txBody>
@@ -6641,7 +6651,7 @@
         <p:spPr/>
         <p:txBody>
           <a:bodyPr>
-            <a:normAutofit lnSpcReduction="10000"/>
+            <a:normAutofit fontScale="92500" lnSpcReduction="10000"/>
           </a:bodyPr>
           <a:lstStyle/>
           <a:p>
@@ -6825,6 +6835,21 @@
               <a:rPr lang="en-US" altLang="ko-KR" dirty="0"/>
               <a:t>)</a:t>
             </a:r>
+          </a:p>
+          <a:p>
+            <a:r>
+              <a:rPr lang="ko-KR" altLang="en-US" dirty="0"/>
+              <a:t>전투 씬 조명 및 폭발 조명 구현</a:t>
+            </a:r>
+            <a:r>
+              <a:rPr lang="en-US" altLang="ko-KR" dirty="0"/>
+              <a:t>, </a:t>
+            </a:r>
+            <a:r>
+              <a:rPr lang="ko-KR" altLang="en-US" dirty="0"/>
+              <a:t>낮과 밤 구현</a:t>
+            </a:r>
+            <a:endParaRPr lang="en-US" altLang="ko-KR" dirty="0"/>
           </a:p>
         </p:txBody>
       </p:sp>
@@ -6863,7 +6888,7 @@
           <p:cNvPr id="2" name="제목 1">
             <a:extLst>
               <a:ext uri="{FF2B5EF4-FFF2-40B4-BE49-F238E27FC236}">
-                <a16:creationId xmlns:a16="http://schemas.microsoft.com/office/drawing/2014/main" id="{14BEED03-BD1C-4FB1-B6E0-CFFB40738D4D}"/>
+                <a16:creationId xmlns:a16="http://schemas.microsoft.com/office/drawing/2014/main" id="{DFC7B3F6-1739-42A9-86FF-930063FE16CB}"/>
               </a:ext>
             </a:extLst>
           </p:cNvPr>
@@ -6881,8 +6906,17 @@
           <a:p>
             <a:r>
               <a:rPr lang="ko-KR" altLang="en-US" dirty="0"/>
-              <a:t>결과물 분석</a:t>
-            </a:r>
+              <a:t>작업 내용 </a:t>
+            </a:r>
+            <a:r>
+              <a:rPr lang="en-US" altLang="ko-KR" dirty="0"/>
+              <a:t>- </a:t>
+            </a:r>
+            <a:r>
+              <a:rPr lang="ko-KR" altLang="en-US" dirty="0" err="1"/>
+              <a:t>원휘재</a:t>
+            </a:r>
+            <a:endParaRPr lang="ko-KR" altLang="en-US" dirty="0"/>
           </a:p>
         </p:txBody>
       </p:sp>
@@ -6891,7 +6925,7 @@
           <p:cNvPr id="3" name="내용 개체 틀 2">
             <a:extLst>
               <a:ext uri="{FF2B5EF4-FFF2-40B4-BE49-F238E27FC236}">
-                <a16:creationId xmlns:a16="http://schemas.microsoft.com/office/drawing/2014/main" id="{ABC35ACA-DF69-416E-8BB4-9AE25788591A}"/>
+                <a16:creationId xmlns:a16="http://schemas.microsoft.com/office/drawing/2014/main" id="{2401767F-033B-45E6-B38B-27BF2E476A16}"/>
               </a:ext>
             </a:extLst>
           </p:cNvPr>
@@ -6914,7 +6948,7 @@
     </p:spTree>
     <p:extLst>
       <p:ext uri="{BB962C8B-B14F-4D97-AF65-F5344CB8AC3E}">
-        <p14:creationId xmlns:p14="http://schemas.microsoft.com/office/powerpoint/2010/main" val="3019491696"/>
+        <p14:creationId xmlns:p14="http://schemas.microsoft.com/office/powerpoint/2010/main" val="3577915851"/>
       </p:ext>
     </p:extLst>
   </p:cSld>
@@ -6946,7 +6980,7 @@
           <p:cNvPr id="2" name="제목 1">
             <a:extLst>
               <a:ext uri="{FF2B5EF4-FFF2-40B4-BE49-F238E27FC236}">
-                <a16:creationId xmlns:a16="http://schemas.microsoft.com/office/drawing/2014/main" id="{A6CDFE3D-4A06-4E29-86BA-4CDD7FE27C08}"/>
+                <a16:creationId xmlns:a16="http://schemas.microsoft.com/office/drawing/2014/main" id="{14BEED03-BD1C-4FB1-B6E0-CFFB40738D4D}"/>
               </a:ext>
             </a:extLst>
           </p:cNvPr>
@@ -6964,11 +6998,323 @@
           <a:p>
             <a:r>
               <a:rPr lang="ko-KR" altLang="en-US" dirty="0"/>
-              <a:t>명령어</a:t>
+              <a:t>결과물 분석</a:t>
             </a:r>
           </a:p>
         </p:txBody>
       </p:sp>
+      <p:sp>
+        <p:nvSpPr>
+          <p:cNvPr id="3" name="내용 개체 틀 2">
+            <a:extLst>
+              <a:ext uri="{FF2B5EF4-FFF2-40B4-BE49-F238E27FC236}">
+                <a16:creationId xmlns:a16="http://schemas.microsoft.com/office/drawing/2014/main" id="{ABC35ACA-DF69-416E-8BB4-9AE25788591A}"/>
+              </a:ext>
+            </a:extLst>
+          </p:cNvPr>
+          <p:cNvSpPr>
+            <a:spLocks noGrp="1"/>
+          </p:cNvSpPr>
+          <p:nvPr>
+            <p:ph idx="1"/>
+          </p:nvPr>
+        </p:nvSpPr>
+        <p:spPr/>
+        <p:txBody>
+          <a:bodyPr/>
+          <a:lstStyle/>
+          <a:p>
+            <a:r>
+              <a:rPr lang="ko-KR" altLang="en-US" dirty="0"/>
+              <a:t>스코어링 </a:t>
+            </a:r>
+            <a:r>
+              <a:rPr lang="en-US" altLang="ko-KR" dirty="0"/>
+              <a:t>: </a:t>
+            </a:r>
+            <a:r>
+              <a:rPr lang="ko-KR" altLang="en-US" dirty="0"/>
+              <a:t>격파한 적의 수에 따라 </a:t>
+            </a:r>
+            <a:r>
+              <a:rPr lang="en-US" altLang="ko-KR" dirty="0"/>
+              <a:t>high score </a:t>
+            </a:r>
+            <a:r>
+              <a:rPr lang="ko-KR" altLang="en-US" dirty="0"/>
+              <a:t>갱신 </a:t>
+            </a:r>
+            <a:r>
+              <a:rPr lang="en-US" altLang="ko-KR" dirty="0"/>
+              <a:t>(</a:t>
+            </a:r>
+            <a:r>
+              <a:rPr lang="ko-KR" altLang="en-US" dirty="0"/>
+              <a:t>숫자 표시</a:t>
+            </a:r>
+            <a:r>
+              <a:rPr lang="en-US" altLang="ko-KR" dirty="0"/>
+              <a:t>)</a:t>
+            </a:r>
+          </a:p>
+          <a:p>
+            <a:r>
+              <a:rPr lang="ko-KR" altLang="en-US" dirty="0"/>
+              <a:t>줌 인 </a:t>
+            </a:r>
+            <a:r>
+              <a:rPr lang="en-US" altLang="ko-KR" dirty="0"/>
+              <a:t>/ </a:t>
+            </a:r>
+            <a:r>
+              <a:rPr lang="ko-KR" altLang="en-US" dirty="0"/>
+              <a:t>아웃 구현</a:t>
+            </a:r>
+            <a:endParaRPr lang="en-US" altLang="ko-KR" dirty="0"/>
+          </a:p>
+          <a:p>
+            <a:r>
+              <a:rPr lang="ko-KR" altLang="en-US" dirty="0"/>
+              <a:t>충돌체크</a:t>
+            </a:r>
+          </a:p>
+        </p:txBody>
+      </p:sp>
+    </p:spTree>
+    <p:extLst>
+      <p:ext uri="{BB962C8B-B14F-4D97-AF65-F5344CB8AC3E}">
+        <p14:creationId xmlns:p14="http://schemas.microsoft.com/office/powerpoint/2010/main" val="3019491696"/>
+      </p:ext>
+    </p:extLst>
+  </p:cSld>
+  <p:clrMapOvr>
+    <a:masterClrMapping/>
+  </p:clrMapOvr>
+</p:sld>
+</file>
+
+<file path=ppt/slides/slide7.xml><?xml version="1.0" encoding="utf-8"?>
+<p:sld xmlns:a="http://schemas.openxmlformats.org/drawingml/2006/main" xmlns:r="http://schemas.openxmlformats.org/officeDocument/2006/relationships" xmlns:p="http://schemas.openxmlformats.org/presentationml/2006/main">
+  <p:cSld>
+    <p:spTree>
+      <p:nvGrpSpPr>
+        <p:cNvPr id="1" name=""/>
+        <p:cNvGrpSpPr/>
+        <p:nvPr/>
+      </p:nvGrpSpPr>
+      <p:grpSpPr>
+        <a:xfrm>
+          <a:off x="0" y="0"/>
+          <a:ext cx="0" cy="0"/>
+          <a:chOff x="0" y="0"/>
+          <a:chExt cx="0" cy="0"/>
+        </a:xfrm>
+      </p:grpSpPr>
+      <p:sp>
+        <p:nvSpPr>
+          <p:cNvPr id="2" name="제목 1">
+            <a:extLst>
+              <a:ext uri="{FF2B5EF4-FFF2-40B4-BE49-F238E27FC236}">
+                <a16:creationId xmlns:a16="http://schemas.microsoft.com/office/drawing/2014/main" id="{0112F559-67E3-4B88-B6F9-A10EB8F00AF7}"/>
+              </a:ext>
+            </a:extLst>
+          </p:cNvPr>
+          <p:cNvSpPr>
+            <a:spLocks noGrp="1"/>
+          </p:cNvSpPr>
+          <p:nvPr>
+            <p:ph type="title"/>
+          </p:nvPr>
+        </p:nvSpPr>
+        <p:spPr/>
+        <p:txBody>
+          <a:bodyPr/>
+          <a:lstStyle/>
+          <a:p>
+            <a:r>
+              <a:rPr lang="ko-KR" altLang="en-US" dirty="0"/>
+              <a:t>결과물 분석</a:t>
+            </a:r>
+          </a:p>
+        </p:txBody>
+      </p:sp>
+      <p:sp>
+        <p:nvSpPr>
+          <p:cNvPr id="3" name="내용 개체 틀 2">
+            <a:extLst>
+              <a:ext uri="{FF2B5EF4-FFF2-40B4-BE49-F238E27FC236}">
+                <a16:creationId xmlns:a16="http://schemas.microsoft.com/office/drawing/2014/main" id="{10D48948-74B6-4FD9-B27E-2E382926E0E0}"/>
+              </a:ext>
+            </a:extLst>
+          </p:cNvPr>
+          <p:cNvSpPr>
+            <a:spLocks noGrp="1"/>
+          </p:cNvSpPr>
+          <p:nvPr>
+            <p:ph idx="1"/>
+          </p:nvPr>
+        </p:nvSpPr>
+        <p:spPr/>
+        <p:txBody>
+          <a:bodyPr/>
+          <a:lstStyle/>
+          <a:p>
+            <a:r>
+              <a:rPr lang="ko-KR" altLang="en-US" dirty="0"/>
+              <a:t>폭발 조명 및 낮과 밤 구현</a:t>
+            </a:r>
+            <a:endParaRPr lang="en-US" altLang="ko-KR" dirty="0"/>
+          </a:p>
+          <a:p>
+            <a:r>
+              <a:rPr lang="ko-KR" altLang="en-US" dirty="0" err="1"/>
+              <a:t>파티클</a:t>
+            </a:r>
+            <a:r>
+              <a:rPr lang="ko-KR" altLang="en-US" dirty="0"/>
+              <a:t> 빌보드 구현 </a:t>
+            </a:r>
+            <a:endParaRPr lang="en-US" altLang="ko-KR" dirty="0"/>
+          </a:p>
+          <a:p>
+            <a:pPr marL="457200" lvl="1" indent="0">
+              <a:buNone/>
+            </a:pPr>
+            <a:r>
+              <a:rPr lang="en-US" altLang="ko-KR" dirty="0"/>
+              <a:t>– </a:t>
+            </a:r>
+            <a:r>
+              <a:rPr lang="ko-KR" altLang="en-US" dirty="0"/>
+              <a:t>어느 방향에서 봐도 같은 모양이 보이도록 구현</a:t>
+            </a:r>
+            <a:endParaRPr lang="en-US" altLang="ko-KR" dirty="0"/>
+          </a:p>
+          <a:p>
+            <a:pPr marL="0" indent="0">
+              <a:buNone/>
+            </a:pPr>
+            <a:r>
+              <a:rPr lang="en-US" altLang="ko-KR" dirty="0"/>
+              <a:t>	            </a:t>
+            </a:r>
+            <a:r>
+              <a:rPr lang="ko-KR" altLang="en-US" dirty="0"/>
+              <a:t>낮</a:t>
+            </a:r>
+            <a:r>
+              <a:rPr lang="en-US" altLang="ko-KR" dirty="0"/>
+              <a:t>						     </a:t>
+            </a:r>
+            <a:r>
+              <a:rPr lang="ko-KR" altLang="en-US" dirty="0"/>
+              <a:t>밤</a:t>
+            </a:r>
+          </a:p>
+        </p:txBody>
+      </p:sp>
+      <p:pic>
+        <p:nvPicPr>
+          <p:cNvPr id="5" name="그림 4" descr="실내, 테이블, 목재의, 보드이(가) 표시된 사진&#10;&#10;자동 생성된 설명">
+            <a:extLst>
+              <a:ext uri="{FF2B5EF4-FFF2-40B4-BE49-F238E27FC236}">
+                <a16:creationId xmlns:a16="http://schemas.microsoft.com/office/drawing/2014/main" id="{366F83EA-A8AF-4B25-8C2F-2A59F59AD848}"/>
+              </a:ext>
+            </a:extLst>
+          </p:cNvPr>
+          <p:cNvPicPr>
+            <a:picLocks noChangeAspect="1"/>
+          </p:cNvPicPr>
+          <p:nvPr/>
+        </p:nvPicPr>
+        <p:blipFill>
+          <a:blip r:embed="rId2">
+            <a:extLst>
+              <a:ext uri="{28A0092B-C50C-407E-A947-70E740481C1C}">
+                <a14:useLocalDpi xmlns:a14="http://schemas.microsoft.com/office/drawing/2010/main" val="0"/>
+              </a:ext>
+            </a:extLst>
+          </a:blip>
+          <a:stretch>
+            <a:fillRect/>
+          </a:stretch>
+        </p:blipFill>
+        <p:spPr>
+          <a:xfrm>
+            <a:off x="845127" y="3869247"/>
+            <a:ext cx="4575690" cy="2830753"/>
+          </a:xfrm>
+          <a:prstGeom prst="rect">
+            <a:avLst/>
+          </a:prstGeom>
+        </p:spPr>
+      </p:pic>
+      <p:pic>
+        <p:nvPicPr>
+          <p:cNvPr id="7" name="그림 6" descr="모니터, 테이블, 전화, 앉아있는이(가) 표시된 사진&#10;&#10;자동 생성된 설명">
+            <a:extLst>
+              <a:ext uri="{FF2B5EF4-FFF2-40B4-BE49-F238E27FC236}">
+                <a16:creationId xmlns:a16="http://schemas.microsoft.com/office/drawing/2014/main" id="{A268BCDC-BF4B-4433-851E-3F128CF1FC66}"/>
+              </a:ext>
+            </a:extLst>
+          </p:cNvPr>
+          <p:cNvPicPr>
+            <a:picLocks noChangeAspect="1"/>
+          </p:cNvPicPr>
+          <p:nvPr/>
+        </p:nvPicPr>
+        <p:blipFill>
+          <a:blip r:embed="rId3">
+            <a:extLst>
+              <a:ext uri="{28A0092B-C50C-407E-A947-70E740481C1C}">
+                <a14:useLocalDpi xmlns:a14="http://schemas.microsoft.com/office/drawing/2010/main" val="0"/>
+              </a:ext>
+            </a:extLst>
+          </a:blip>
+          <a:stretch>
+            <a:fillRect/>
+          </a:stretch>
+        </p:blipFill>
+        <p:spPr>
+          <a:xfrm>
+            <a:off x="6771185" y="3869246"/>
+            <a:ext cx="4139894" cy="2830753"/>
+          </a:xfrm>
+          <a:prstGeom prst="rect">
+            <a:avLst/>
+          </a:prstGeom>
+        </p:spPr>
+      </p:pic>
+    </p:spTree>
+    <p:extLst>
+      <p:ext uri="{BB962C8B-B14F-4D97-AF65-F5344CB8AC3E}">
+        <p14:creationId xmlns:p14="http://schemas.microsoft.com/office/powerpoint/2010/main" val="3208509109"/>
+      </p:ext>
+    </p:extLst>
+  </p:cSld>
+  <p:clrMapOvr>
+    <a:masterClrMapping/>
+  </p:clrMapOvr>
+</p:sld>
+</file>
+
+<file path=ppt/slides/slide8.xml><?xml version="1.0" encoding="utf-8"?>
+<p:sld xmlns:a="http://schemas.openxmlformats.org/drawingml/2006/main" xmlns:r="http://schemas.openxmlformats.org/officeDocument/2006/relationships" xmlns:p="http://schemas.openxmlformats.org/presentationml/2006/main">
+  <p:cSld>
+    <p:spTree>
+      <p:nvGrpSpPr>
+        <p:cNvPr id="1" name=""/>
+        <p:cNvGrpSpPr/>
+        <p:nvPr/>
+      </p:nvGrpSpPr>
+      <p:grpSpPr>
+        <a:xfrm>
+          <a:off x="0" y="0"/>
+          <a:ext cx="0" cy="0"/>
+          <a:chOff x="0" y="0"/>
+          <a:chExt cx="0" cy="0"/>
+        </a:xfrm>
+      </p:grpSpPr>
       <p:graphicFrame>
         <p:nvGraphicFramePr>
           <p:cNvPr id="4" name="표 4">
@@ -6985,14 +7331,14 @@
             <p:ph idx="1"/>
             <p:extLst>
               <p:ext uri="{D42A27DB-BD31-4B8C-83A1-F6EECF244321}">
-                <p14:modId xmlns:p14="http://schemas.microsoft.com/office/powerpoint/2010/main" val="2213875213"/>
+                <p14:modId xmlns:p14="http://schemas.microsoft.com/office/powerpoint/2010/main" val="54511632"/>
               </p:ext>
             </p:extLst>
           </p:nvPr>
         </p:nvGraphicFramePr>
         <p:xfrm>
-          <a:off x="844550" y="1828800"/>
-          <a:ext cx="10515600" cy="4351338"/>
+          <a:off x="844550" y="679225"/>
+          <a:ext cx="10515600" cy="5380914"/>
         </p:xfrm>
         <a:graphic>
           <a:graphicData uri="http://schemas.openxmlformats.org/drawingml/2006/table">
@@ -7016,28 +7362,28 @@
                   </a:extLst>
                 </a:gridCol>
               </a:tblGrid>
-              <a:tr h="370840">
-                <a:tc>
+              <a:tr h="896819">
+                <a:tc gridSpan="2">
                   <a:txBody>
                     <a:bodyPr/>
                     <a:lstStyle/>
                     <a:p>
-                      <a:pPr latinLnBrk="1"/>
+                      <a:pPr algn="ctr" latinLnBrk="1"/>
                       <a:r>
                         <a:rPr lang="ko-KR" altLang="en-US" dirty="0"/>
                         <a:t>조작키</a:t>
                       </a:r>
                     </a:p>
                   </a:txBody>
-                  <a:tcPr marL="95596" marR="95596"/>
+                  <a:tcPr marL="95596" marR="95596" anchor="ctr"/>
                 </a:tc>
-                <a:tc>
+                <a:tc hMerge="1">
                   <a:txBody>
                     <a:bodyPr/>
                     <a:lstStyle/>
                     <a:p>
                       <a:pPr latinLnBrk="1"/>
-                      <a:endParaRPr lang="ko-KR" altLang="en-US"/>
+                      <a:endParaRPr lang="ko-KR" altLang="en-US" dirty="0"/>
                     </a:p>
                   </a:txBody>
                   <a:tcPr marL="95596" marR="95596"/>
@@ -7048,13 +7394,13 @@
                   </a:ext>
                 </a:extLst>
               </a:tr>
-              <a:tr h="370840">
+              <a:tr h="896819">
                 <a:tc>
                   <a:txBody>
                     <a:bodyPr/>
                     <a:lstStyle/>
                     <a:p>
-                      <a:pPr latinLnBrk="1"/>
+                      <a:pPr algn="ctr" latinLnBrk="1"/>
                       <a:r>
                         <a:rPr lang="en-US" altLang="ko-KR" dirty="0"/>
                         <a:t>W / S / A / D</a:t>
@@ -7062,14 +7408,14 @@
                       <a:endParaRPr lang="ko-KR" altLang="en-US" dirty="0"/>
                     </a:p>
                   </a:txBody>
-                  <a:tcPr marL="95596" marR="95596"/>
+                  <a:tcPr marL="95596" marR="95596" anchor="ctr"/>
                 </a:tc>
                 <a:tc>
                   <a:txBody>
                     <a:bodyPr/>
                     <a:lstStyle/>
                     <a:p>
-                      <a:pPr latinLnBrk="1"/>
+                      <a:pPr algn="ctr" latinLnBrk="1"/>
                       <a:r>
                         <a:rPr lang="ko-KR" altLang="en-US" dirty="0"/>
                         <a:t>상 </a:t>
@@ -7100,7 +7446,7 @@
                       </a:r>
                     </a:p>
                   </a:txBody>
-                  <a:tcPr marL="95596" marR="95596"/>
+                  <a:tcPr marL="95596" marR="95596" anchor="ctr"/>
                 </a:tc>
                 <a:extLst>
                   <a:ext uri="{0D108BD9-81ED-4DB2-BD59-A6C34878D82A}">
@@ -7108,13 +7454,13 @@
                   </a:ext>
                 </a:extLst>
               </a:tr>
-              <a:tr h="370840">
+              <a:tr h="896819">
                 <a:tc>
                   <a:txBody>
                     <a:bodyPr/>
                     <a:lstStyle/>
                     <a:p>
-                      <a:pPr latinLnBrk="1"/>
+                      <a:pPr algn="ctr" latinLnBrk="1"/>
                       <a:r>
                         <a:rPr lang="en-US" altLang="ko-KR" dirty="0"/>
                         <a:t>R</a:t>
@@ -7122,21 +7468,21 @@
                       <a:endParaRPr lang="ko-KR" altLang="en-US" dirty="0"/>
                     </a:p>
                   </a:txBody>
-                  <a:tcPr marL="95596" marR="95596"/>
+                  <a:tcPr marL="95596" marR="95596" anchor="ctr"/>
                 </a:tc>
                 <a:tc>
                   <a:txBody>
                     <a:bodyPr/>
                     <a:lstStyle/>
                     <a:p>
-                      <a:pPr latinLnBrk="1"/>
+                      <a:pPr algn="ctr" latinLnBrk="1"/>
                       <a:r>
                         <a:rPr lang="ko-KR" altLang="en-US" dirty="0"/>
                         <a:t>재장전</a:t>
                       </a:r>
                     </a:p>
                   </a:txBody>
-                  <a:tcPr marL="95596" marR="95596"/>
+                  <a:tcPr marL="95596" marR="95596" anchor="ctr"/>
                 </a:tc>
                 <a:extLst>
                   <a:ext uri="{0D108BD9-81ED-4DB2-BD59-A6C34878D82A}">
@@ -7144,13 +7490,13 @@
                   </a:ext>
                 </a:extLst>
               </a:tr>
-              <a:tr h="370840">
+              <a:tr h="896819">
                 <a:tc>
                   <a:txBody>
                     <a:bodyPr/>
                     <a:lstStyle/>
                     <a:p>
-                      <a:pPr latinLnBrk="1"/>
+                      <a:pPr algn="ctr" latinLnBrk="1"/>
                       <a:r>
                         <a:rPr lang="en-US" altLang="ko-KR" dirty="0"/>
                         <a:t>Esc</a:t>
@@ -7158,14 +7504,14 @@
                       <a:endParaRPr lang="ko-KR" altLang="en-US" dirty="0"/>
                     </a:p>
                   </a:txBody>
-                  <a:tcPr marL="95596" marR="95596"/>
+                  <a:tcPr marL="95596" marR="95596" anchor="ctr"/>
                 </a:tc>
                 <a:tc>
                   <a:txBody>
                     <a:bodyPr/>
                     <a:lstStyle/>
                     <a:p>
-                      <a:pPr latinLnBrk="1"/>
+                      <a:pPr algn="ctr" latinLnBrk="1"/>
                       <a:r>
                         <a:rPr lang="ko-KR" altLang="en-US" dirty="0" err="1"/>
                         <a:t>퍼즈</a:t>
@@ -7177,7 +7523,7 @@
                       <a:endParaRPr lang="ko-KR" altLang="en-US" dirty="0"/>
                     </a:p>
                   </a:txBody>
-                  <a:tcPr marL="95596" marR="95596"/>
+                  <a:tcPr marL="95596" marR="95596" anchor="ctr"/>
                 </a:tc>
                 <a:extLst>
                   <a:ext uri="{0D108BD9-81ED-4DB2-BD59-A6C34878D82A}">
@@ -7185,27 +7531,27 @@
                   </a:ext>
                 </a:extLst>
               </a:tr>
-              <a:tr h="370840">
+              <a:tr h="896819">
                 <a:tc>
                   <a:txBody>
                     <a:bodyPr/>
                     <a:lstStyle/>
                     <a:p>
-                      <a:pPr latinLnBrk="1"/>
+                      <a:pPr algn="ctr" latinLnBrk="1"/>
                       <a:r>
                         <a:rPr lang="ko-KR" altLang="en-US" dirty="0"/>
                         <a:t>마우스 우 클릭</a:t>
                       </a:r>
                     </a:p>
                   </a:txBody>
-                  <a:tcPr marL="95596" marR="95596"/>
+                  <a:tcPr marL="95596" marR="95596" anchor="ctr"/>
                 </a:tc>
                 <a:tc>
                   <a:txBody>
                     <a:bodyPr/>
                     <a:lstStyle/>
                     <a:p>
-                      <a:pPr latinLnBrk="1"/>
+                      <a:pPr algn="ctr" latinLnBrk="1"/>
                       <a:r>
                         <a:rPr lang="ko-KR" altLang="en-US" dirty="0"/>
                         <a:t>줌 인 </a:t>
@@ -7220,7 +7566,7 @@
                       </a:r>
                     </a:p>
                   </a:txBody>
-                  <a:tcPr marL="95596" marR="95596"/>
+                  <a:tcPr marL="95596" marR="95596" anchor="ctr"/>
                 </a:tc>
                 <a:extLst>
                   <a:ext uri="{0D108BD9-81ED-4DB2-BD59-A6C34878D82A}">
@@ -7228,34 +7574,34 @@
                   </a:ext>
                 </a:extLst>
               </a:tr>
-              <a:tr h="370840">
+              <a:tr h="896819">
                 <a:tc>
                   <a:txBody>
                     <a:bodyPr/>
                     <a:lstStyle/>
                     <a:p>
-                      <a:pPr latinLnBrk="1"/>
+                      <a:pPr algn="ctr" latinLnBrk="1"/>
                       <a:r>
                         <a:rPr lang="ko-KR" altLang="en-US" dirty="0"/>
                         <a:t>마우스 좌 클릭</a:t>
                       </a:r>
                     </a:p>
                   </a:txBody>
-                  <a:tcPr marL="95596" marR="95596"/>
+                  <a:tcPr marL="95596" marR="95596" anchor="ctr"/>
                 </a:tc>
                 <a:tc>
                   <a:txBody>
                     <a:bodyPr/>
                     <a:lstStyle/>
                     <a:p>
-                      <a:pPr latinLnBrk="1"/>
+                      <a:pPr algn="ctr" latinLnBrk="1"/>
                       <a:r>
                         <a:rPr lang="ko-KR" altLang="en-US" dirty="0"/>
                         <a:t>포탄 발사</a:t>
                       </a:r>
                     </a:p>
                   </a:txBody>
-                  <a:tcPr marL="95596" marR="95596"/>
+                  <a:tcPr marL="95596" marR="95596" anchor="ctr"/>
                 </a:tc>
                 <a:extLst>
                   <a:ext uri="{0D108BD9-81ED-4DB2-BD59-A6C34878D82A}">
@@ -7280,7 +7626,7 @@
 </p:sld>
 </file>
 
-<file path=ppt/slides/slide7.xml><?xml version="1.0" encoding="utf-8"?>
+<file path=ppt/slides/slide9.xml><?xml version="1.0" encoding="utf-8"?>
 <p:sld xmlns:a="http://schemas.openxmlformats.org/drawingml/2006/main" xmlns:r="http://schemas.openxmlformats.org/officeDocument/2006/relationships" xmlns:p="http://schemas.openxmlformats.org/presentationml/2006/main">
   <p:cSld>
     <p:spTree>
@@ -7344,15 +7690,9 @@
         <p:spPr/>
         <p:txBody>
           <a:bodyPr>
-            <a:normAutofit lnSpcReduction="10000"/>
+            <a:normAutofit/>
           </a:bodyPr>
           <a:lstStyle/>
-          <a:p>
-            <a:pPr marL="0" indent="0">
-              <a:buNone/>
-            </a:pPr>
-            <a:endParaRPr lang="en-US" altLang="ko-KR" dirty="0"/>
-          </a:p>
           <a:p>
             <a:pPr marL="0" indent="0">
               <a:buNone/>

--- a/개발 결과 보고서.pptx
+++ b/개발 결과 보고서.pptx
@@ -861,7 +861,7 @@
           <a:p>
             <a:fld id="{4426E2B9-DA7E-4A8B-B4BB-FAB9F238B396}" type="datetimeFigureOut">
               <a:rPr lang="ko-KR" altLang="en-US" smtClean="0"/>
-              <a:t>2019-12-15</a:t>
+              <a:t>2019-12-16</a:t>
             </a:fld>
             <a:endParaRPr lang="ko-KR" altLang="en-US"/>
           </a:p>
@@ -1031,7 +1031,7 @@
           <a:p>
             <a:fld id="{4426E2B9-DA7E-4A8B-B4BB-FAB9F238B396}" type="datetimeFigureOut">
               <a:rPr lang="ko-KR" altLang="en-US" smtClean="0"/>
-              <a:t>2019-12-15</a:t>
+              <a:t>2019-12-16</a:t>
             </a:fld>
             <a:endParaRPr lang="ko-KR" altLang="en-US"/>
           </a:p>
@@ -1211,7 +1211,7 @@
           <a:p>
             <a:fld id="{4426E2B9-DA7E-4A8B-B4BB-FAB9F238B396}" type="datetimeFigureOut">
               <a:rPr lang="ko-KR" altLang="en-US" smtClean="0"/>
-              <a:t>2019-12-15</a:t>
+              <a:t>2019-12-16</a:t>
             </a:fld>
             <a:endParaRPr lang="ko-KR" altLang="en-US"/>
           </a:p>
@@ -1381,7 +1381,7 @@
           <a:p>
             <a:fld id="{4426E2B9-DA7E-4A8B-B4BB-FAB9F238B396}" type="datetimeFigureOut">
               <a:rPr lang="ko-KR" altLang="en-US" smtClean="0"/>
-              <a:t>2019-12-15</a:t>
+              <a:t>2019-12-16</a:t>
             </a:fld>
             <a:endParaRPr lang="ko-KR" altLang="en-US"/>
           </a:p>
@@ -1632,7 +1632,7 @@
           <a:p>
             <a:fld id="{4426E2B9-DA7E-4A8B-B4BB-FAB9F238B396}" type="datetimeFigureOut">
               <a:rPr lang="ko-KR" altLang="en-US" smtClean="0"/>
-              <a:t>2019-12-15</a:t>
+              <a:t>2019-12-16</a:t>
             </a:fld>
             <a:endParaRPr lang="ko-KR" altLang="en-US"/>
           </a:p>
@@ -1864,7 +1864,7 @@
           <a:p>
             <a:fld id="{4426E2B9-DA7E-4A8B-B4BB-FAB9F238B396}" type="datetimeFigureOut">
               <a:rPr lang="ko-KR" altLang="en-US" smtClean="0"/>
-              <a:t>2019-12-15</a:t>
+              <a:t>2019-12-16</a:t>
             </a:fld>
             <a:endParaRPr lang="ko-KR" altLang="en-US"/>
           </a:p>
@@ -2211,7 +2211,7 @@
           <a:p>
             <a:fld id="{4426E2B9-DA7E-4A8B-B4BB-FAB9F238B396}" type="datetimeFigureOut">
               <a:rPr lang="ko-KR" altLang="en-US" smtClean="0"/>
-              <a:t>2019-12-15</a:t>
+              <a:t>2019-12-16</a:t>
             </a:fld>
             <a:endParaRPr lang="ko-KR" altLang="en-US"/>
           </a:p>
@@ -2329,7 +2329,7 @@
           <a:p>
             <a:fld id="{4426E2B9-DA7E-4A8B-B4BB-FAB9F238B396}" type="datetimeFigureOut">
               <a:rPr lang="ko-KR" altLang="en-US" smtClean="0"/>
-              <a:t>2019-12-15</a:t>
+              <a:t>2019-12-16</a:t>
             </a:fld>
             <a:endParaRPr lang="ko-KR" altLang="en-US"/>
           </a:p>
@@ -2447,7 +2447,7 @@
           <a:p>
             <a:fld id="{4426E2B9-DA7E-4A8B-B4BB-FAB9F238B396}" type="datetimeFigureOut">
               <a:rPr lang="ko-KR" altLang="en-US" smtClean="0"/>
-              <a:t>2019-12-15</a:t>
+              <a:t>2019-12-16</a:t>
             </a:fld>
             <a:endParaRPr lang="ko-KR" altLang="en-US"/>
           </a:p>
@@ -2731,7 +2731,7 @@
           <a:p>
             <a:fld id="{4426E2B9-DA7E-4A8B-B4BB-FAB9F238B396}" type="datetimeFigureOut">
               <a:rPr lang="ko-KR" altLang="en-US" smtClean="0"/>
-              <a:t>2019-12-15</a:t>
+              <a:t>2019-12-16</a:t>
             </a:fld>
             <a:endParaRPr lang="ko-KR" altLang="en-US"/>
           </a:p>
@@ -2995,7 +2995,7 @@
           <a:p>
             <a:fld id="{4426E2B9-DA7E-4A8B-B4BB-FAB9F238B396}" type="datetimeFigureOut">
               <a:rPr lang="ko-KR" altLang="en-US" smtClean="0"/>
-              <a:t>2019-12-15</a:t>
+              <a:t>2019-12-16</a:t>
             </a:fld>
             <a:endParaRPr lang="ko-KR" altLang="en-US"/>
           </a:p>
@@ -3209,7 +3209,7 @@
           <a:p>
             <a:fld id="{4426E2B9-DA7E-4A8B-B4BB-FAB9F238B396}" type="datetimeFigureOut">
               <a:rPr lang="ko-KR" altLang="en-US" smtClean="0"/>
-              <a:t>2019-12-15</a:t>
+              <a:t>2019-12-16</a:t>
             </a:fld>
             <a:endParaRPr lang="ko-KR" altLang="en-US"/>
           </a:p>
@@ -6922,10 +6922,10 @@
       </p:sp>
       <p:sp>
         <p:nvSpPr>
-          <p:cNvPr id="3" name="내용 개체 틀 2">
+          <p:cNvPr id="4" name="내용 개체 틀 2">
             <a:extLst>
               <a:ext uri="{FF2B5EF4-FFF2-40B4-BE49-F238E27FC236}">
-                <a16:creationId xmlns:a16="http://schemas.microsoft.com/office/drawing/2014/main" id="{2401767F-033B-45E6-B38B-27BF2E476A16}"/>
+                <a16:creationId xmlns:a16="http://schemas.microsoft.com/office/drawing/2014/main" id="{56BE64DC-A516-4361-B77C-81A6ECC7E64E}"/>
               </a:ext>
             </a:extLst>
           </p:cNvPr>
@@ -6936,12 +6936,93 @@
             <p:ph idx="1"/>
           </p:nvPr>
         </p:nvSpPr>
-        <p:spPr/>
+        <p:spPr>
+          <a:xfrm>
+            <a:off x="844550" y="1828800"/>
+            <a:ext cx="10515600" cy="4351338"/>
+          </a:xfrm>
+        </p:spPr>
         <p:txBody>
-          <a:bodyPr/>
+          <a:bodyPr>
+            <a:normAutofit/>
+          </a:bodyPr>
           <a:lstStyle/>
           <a:p>
-            <a:endParaRPr lang="ko-KR" altLang="en-US"/>
+            <a:r>
+              <a:rPr lang="ko-KR" altLang="en-US" dirty="0"/>
+              <a:t>전투 씬 구현</a:t>
+            </a:r>
+            <a:endParaRPr lang="en-US" altLang="ko-KR" dirty="0"/>
+          </a:p>
+          <a:p>
+            <a:endParaRPr lang="en-US" altLang="ko-KR" dirty="0"/>
+          </a:p>
+          <a:p>
+            <a:r>
+              <a:rPr lang="ko-KR" altLang="en-US" dirty="0"/>
+              <a:t>맵</a:t>
+            </a:r>
+            <a:r>
+              <a:rPr lang="en-US" altLang="ko-KR" dirty="0"/>
+              <a:t>, </a:t>
+            </a:r>
+            <a:r>
+              <a:rPr lang="ko-KR" altLang="en-US" dirty="0"/>
+              <a:t>포탄</a:t>
+            </a:r>
+            <a:r>
+              <a:rPr lang="en-US" altLang="ko-KR" dirty="0"/>
+              <a:t>, </a:t>
+            </a:r>
+            <a:r>
+              <a:rPr lang="ko-KR" altLang="en-US" dirty="0"/>
+              <a:t>적 구현</a:t>
+            </a:r>
+            <a:endParaRPr lang="en-US" altLang="ko-KR" dirty="0"/>
+          </a:p>
+          <a:p>
+            <a:r>
+              <a:rPr lang="ko-KR" altLang="en-US" dirty="0"/>
+              <a:t>오브젝트간 충돌체크 구현</a:t>
+            </a:r>
+            <a:endParaRPr lang="en-US" altLang="ko-KR" dirty="0"/>
+          </a:p>
+          <a:p>
+            <a:r>
+              <a:rPr lang="ko-KR" altLang="en-US" dirty="0"/>
+              <a:t>줌 인</a:t>
+            </a:r>
+            <a:r>
+              <a:rPr lang="en-US" altLang="ko-KR" dirty="0"/>
+              <a:t>/</a:t>
+            </a:r>
+            <a:r>
+              <a:rPr lang="ko-KR" altLang="en-US" dirty="0"/>
+              <a:t>아웃 구현</a:t>
+            </a:r>
+            <a:endParaRPr lang="en-US" altLang="ko-KR" dirty="0"/>
+          </a:p>
+          <a:p>
+            <a:r>
+              <a:rPr lang="ko-KR" altLang="en-US" dirty="0"/>
+              <a:t>스코어</a:t>
+            </a:r>
+            <a:r>
+              <a:rPr lang="en-US" altLang="ko-KR" dirty="0"/>
+              <a:t>, </a:t>
+            </a:r>
+            <a:r>
+              <a:rPr lang="ko-KR" altLang="en-US" dirty="0"/>
+              <a:t>장전 구현</a:t>
+            </a:r>
+            <a:endParaRPr lang="en-US" altLang="ko-KR" dirty="0"/>
+          </a:p>
+          <a:p>
+            <a:r>
+              <a:rPr lang="ko-KR" altLang="en-US" dirty="0"/>
+              <a:t>사운드 추가</a:t>
+            </a:r>
+            <a:endParaRPr lang="en-US" altLang="ko-KR" dirty="0"/>
           </a:p>
         </p:txBody>
       </p:sp>
